--- a/NEW KPU/KPU/DEM JEG KAN/MÅSKE/Spørgsmål 7CrossPlatform.pptx
+++ b/NEW KPU/KPU/DEM JEG KAN/MÅSKE/Spørgsmål 7CrossPlatform.pptx
@@ -12,6 +12,8 @@
     <p:sldId id="260" r:id="rId6"/>
     <p:sldId id="261" r:id="rId7"/>
     <p:sldId id="262" r:id="rId8"/>
+    <p:sldId id="264" r:id="rId9"/>
+    <p:sldId id="263" r:id="rId10"/>
   </p:sldIdLst>
   <p:sldSz cx="12192000" cy="6858000"/>
   <p:notesSz cx="6858000" cy="9144000"/>
@@ -434,7 +436,7 @@
           <a:p>
             <a:fld id="{A20990A6-5A99-4E0A-9198-2314FC51BDED}" type="datetimeFigureOut">
               <a:rPr lang="LID4096" smtClean="0"/>
-              <a:t>06/12/2020</a:t>
+              <a:t>08/15/2020</a:t>
             </a:fld>
             <a:endParaRPr lang="LID4096"/>
           </a:p>
@@ -488,7 +490,7 @@
           <a:p>
             <a:fld id="{EAB18717-52F0-4AB6-AD79-58A9D3D32F1B}" type="slidenum">
               <a:rPr lang="LID4096" smtClean="0"/>
-              <a:t>‹nr.›</a:t>
+              <a:t>‹#›</a:t>
             </a:fld>
             <a:endParaRPr lang="LID4096"/>
           </a:p>
@@ -634,7 +636,7 @@
           <a:p>
             <a:fld id="{A20990A6-5A99-4E0A-9198-2314FC51BDED}" type="datetimeFigureOut">
               <a:rPr lang="LID4096" smtClean="0"/>
-              <a:t>06/12/2020</a:t>
+              <a:t>08/15/2020</a:t>
             </a:fld>
             <a:endParaRPr lang="LID4096"/>
           </a:p>
@@ -688,7 +690,7 @@
           <a:p>
             <a:fld id="{EAB18717-52F0-4AB6-AD79-58A9D3D32F1B}" type="slidenum">
               <a:rPr lang="LID4096" smtClean="0"/>
-              <a:t>‹nr.›</a:t>
+              <a:t>‹#›</a:t>
             </a:fld>
             <a:endParaRPr lang="LID4096"/>
           </a:p>
@@ -844,7 +846,7 @@
           <a:p>
             <a:fld id="{A20990A6-5A99-4E0A-9198-2314FC51BDED}" type="datetimeFigureOut">
               <a:rPr lang="LID4096" smtClean="0"/>
-              <a:t>06/12/2020</a:t>
+              <a:t>08/15/2020</a:t>
             </a:fld>
             <a:endParaRPr lang="LID4096"/>
           </a:p>
@@ -898,7 +900,7 @@
           <a:p>
             <a:fld id="{EAB18717-52F0-4AB6-AD79-58A9D3D32F1B}" type="slidenum">
               <a:rPr lang="LID4096" smtClean="0"/>
-              <a:t>‹nr.›</a:t>
+              <a:t>‹#›</a:t>
             </a:fld>
             <a:endParaRPr lang="LID4096"/>
           </a:p>
@@ -1044,7 +1046,7 @@
           <a:p>
             <a:fld id="{A20990A6-5A99-4E0A-9198-2314FC51BDED}" type="datetimeFigureOut">
               <a:rPr lang="LID4096" smtClean="0"/>
-              <a:t>06/12/2020</a:t>
+              <a:t>08/15/2020</a:t>
             </a:fld>
             <a:endParaRPr lang="LID4096"/>
           </a:p>
@@ -1098,7 +1100,7 @@
           <a:p>
             <a:fld id="{EAB18717-52F0-4AB6-AD79-58A9D3D32F1B}" type="slidenum">
               <a:rPr lang="LID4096" smtClean="0"/>
-              <a:t>‹nr.›</a:t>
+              <a:t>‹#›</a:t>
             </a:fld>
             <a:endParaRPr lang="LID4096"/>
           </a:p>
@@ -1320,7 +1322,7 @@
           <a:p>
             <a:fld id="{A20990A6-5A99-4E0A-9198-2314FC51BDED}" type="datetimeFigureOut">
               <a:rPr lang="LID4096" smtClean="0"/>
-              <a:t>06/12/2020</a:t>
+              <a:t>08/15/2020</a:t>
             </a:fld>
             <a:endParaRPr lang="LID4096"/>
           </a:p>
@@ -1374,7 +1376,7 @@
           <a:p>
             <a:fld id="{EAB18717-52F0-4AB6-AD79-58A9D3D32F1B}" type="slidenum">
               <a:rPr lang="LID4096" smtClean="0"/>
-              <a:t>‹nr.›</a:t>
+              <a:t>‹#›</a:t>
             </a:fld>
             <a:endParaRPr lang="LID4096"/>
           </a:p>
@@ -1588,7 +1590,7 @@
           <a:p>
             <a:fld id="{A20990A6-5A99-4E0A-9198-2314FC51BDED}" type="datetimeFigureOut">
               <a:rPr lang="LID4096" smtClean="0"/>
-              <a:t>06/12/2020</a:t>
+              <a:t>08/15/2020</a:t>
             </a:fld>
             <a:endParaRPr lang="LID4096"/>
           </a:p>
@@ -1642,7 +1644,7 @@
           <a:p>
             <a:fld id="{EAB18717-52F0-4AB6-AD79-58A9D3D32F1B}" type="slidenum">
               <a:rPr lang="LID4096" smtClean="0"/>
-              <a:t>‹nr.›</a:t>
+              <a:t>‹#›</a:t>
             </a:fld>
             <a:endParaRPr lang="LID4096"/>
           </a:p>
@@ -2003,7 +2005,7 @@
           <a:p>
             <a:fld id="{A20990A6-5A99-4E0A-9198-2314FC51BDED}" type="datetimeFigureOut">
               <a:rPr lang="LID4096" smtClean="0"/>
-              <a:t>06/12/2020</a:t>
+              <a:t>08/15/2020</a:t>
             </a:fld>
             <a:endParaRPr lang="LID4096"/>
           </a:p>
@@ -2057,7 +2059,7 @@
           <a:p>
             <a:fld id="{EAB18717-52F0-4AB6-AD79-58A9D3D32F1B}" type="slidenum">
               <a:rPr lang="LID4096" smtClean="0"/>
-              <a:t>‹nr.›</a:t>
+              <a:t>‹#›</a:t>
             </a:fld>
             <a:endParaRPr lang="LID4096"/>
           </a:p>
@@ -2145,7 +2147,7 @@
           <a:p>
             <a:fld id="{A20990A6-5A99-4E0A-9198-2314FC51BDED}" type="datetimeFigureOut">
               <a:rPr lang="LID4096" smtClean="0"/>
-              <a:t>06/12/2020</a:t>
+              <a:t>08/15/2020</a:t>
             </a:fld>
             <a:endParaRPr lang="LID4096"/>
           </a:p>
@@ -2199,7 +2201,7 @@
           <a:p>
             <a:fld id="{EAB18717-52F0-4AB6-AD79-58A9D3D32F1B}" type="slidenum">
               <a:rPr lang="LID4096" smtClean="0"/>
-              <a:t>‹nr.›</a:t>
+              <a:t>‹#›</a:t>
             </a:fld>
             <a:endParaRPr lang="LID4096"/>
           </a:p>
@@ -2258,7 +2260,7 @@
           <a:p>
             <a:fld id="{A20990A6-5A99-4E0A-9198-2314FC51BDED}" type="datetimeFigureOut">
               <a:rPr lang="LID4096" smtClean="0"/>
-              <a:t>06/12/2020</a:t>
+              <a:t>08/15/2020</a:t>
             </a:fld>
             <a:endParaRPr lang="LID4096"/>
           </a:p>
@@ -2312,7 +2314,7 @@
           <a:p>
             <a:fld id="{EAB18717-52F0-4AB6-AD79-58A9D3D32F1B}" type="slidenum">
               <a:rPr lang="LID4096" smtClean="0"/>
-              <a:t>‹nr.›</a:t>
+              <a:t>‹#›</a:t>
             </a:fld>
             <a:endParaRPr lang="LID4096"/>
           </a:p>
@@ -2571,7 +2573,7 @@
           <a:p>
             <a:fld id="{A20990A6-5A99-4E0A-9198-2314FC51BDED}" type="datetimeFigureOut">
               <a:rPr lang="LID4096" smtClean="0"/>
-              <a:t>06/12/2020</a:t>
+              <a:t>08/15/2020</a:t>
             </a:fld>
             <a:endParaRPr lang="LID4096"/>
           </a:p>
@@ -2625,7 +2627,7 @@
           <a:p>
             <a:fld id="{EAB18717-52F0-4AB6-AD79-58A9D3D32F1B}" type="slidenum">
               <a:rPr lang="LID4096" smtClean="0"/>
-              <a:t>‹nr.›</a:t>
+              <a:t>‹#›</a:t>
             </a:fld>
             <a:endParaRPr lang="LID4096"/>
           </a:p>
@@ -2860,7 +2862,7 @@
           <a:p>
             <a:fld id="{A20990A6-5A99-4E0A-9198-2314FC51BDED}" type="datetimeFigureOut">
               <a:rPr lang="LID4096" smtClean="0"/>
-              <a:t>06/12/2020</a:t>
+              <a:t>08/15/2020</a:t>
             </a:fld>
             <a:endParaRPr lang="LID4096"/>
           </a:p>
@@ -2914,7 +2916,7 @@
           <a:p>
             <a:fld id="{EAB18717-52F0-4AB6-AD79-58A9D3D32F1B}" type="slidenum">
               <a:rPr lang="LID4096" smtClean="0"/>
-              <a:t>‹nr.›</a:t>
+              <a:t>‹#›</a:t>
             </a:fld>
             <a:endParaRPr lang="LID4096"/>
           </a:p>
@@ -3103,7 +3105,7 @@
           <a:p>
             <a:fld id="{A20990A6-5A99-4E0A-9198-2314FC51BDED}" type="datetimeFigureOut">
               <a:rPr lang="LID4096" smtClean="0"/>
-              <a:t>06/12/2020</a:t>
+              <a:t>08/15/2020</a:t>
             </a:fld>
             <a:endParaRPr lang="LID4096"/>
           </a:p>
@@ -3193,7 +3195,7 @@
           <a:p>
             <a:fld id="{EAB18717-52F0-4AB6-AD79-58A9D3D32F1B}" type="slidenum">
               <a:rPr lang="LID4096" smtClean="0"/>
-              <a:t>‹nr.›</a:t>
+              <a:t>‹#›</a:t>
             </a:fld>
             <a:endParaRPr lang="LID4096"/>
           </a:p>
@@ -3620,11 +3622,11 @@
             </a:r>
             <a:r>
               <a:rPr lang="en-GB" dirty="0" err="1"/>
-              <a:t>platformen.Vis</a:t>
+              <a:t>platformen</a:t>
             </a:r>
             <a:r>
               <a:rPr lang="en-GB" dirty="0"/>
-              <a:t> et </a:t>
+              <a:t>. Vis et </a:t>
             </a:r>
             <a:r>
               <a:rPr lang="en-GB" dirty="0" err="1"/>
@@ -3644,11 +3646,11 @@
             </a:r>
             <a:r>
               <a:rPr lang="en-GB" dirty="0" err="1"/>
-              <a:t>encross</a:t>
+              <a:t>en</a:t>
             </a:r>
             <a:r>
               <a:rPr lang="en-GB" dirty="0"/>
-              <a:t> platform component. </a:t>
+              <a:t> cross platform component. </a:t>
             </a:r>
             <a:r>
               <a:rPr lang="en-GB" dirty="0" err="1"/>
@@ -4528,6 +4530,177 @@
     <p:extLst>
       <p:ext uri="{BB962C8B-B14F-4D97-AF65-F5344CB8AC3E}">
         <p14:creationId xmlns:p14="http://schemas.microsoft.com/office/powerpoint/2010/main" val="2850189535"/>
+      </p:ext>
+    </p:extLst>
+  </p:cSld>
+  <p:clrMapOvr>
+    <a:masterClrMapping/>
+  </p:clrMapOvr>
+</p:sld>
+</file>
+
+<file path=ppt/slides/slide8.xml><?xml version="1.0" encoding="utf-8"?>
+<p:sld xmlns:a="http://schemas.openxmlformats.org/drawingml/2006/main" xmlns:r="http://schemas.openxmlformats.org/officeDocument/2006/relationships" xmlns:p="http://schemas.openxmlformats.org/presentationml/2006/main">
+  <p:cSld>
+    <p:spTree>
+      <p:nvGrpSpPr>
+        <p:cNvPr id="1" name=""/>
+        <p:cNvGrpSpPr/>
+        <p:nvPr/>
+      </p:nvGrpSpPr>
+      <p:grpSpPr>
+        <a:xfrm>
+          <a:off x="0" y="0"/>
+          <a:ext cx="0" cy="0"/>
+          <a:chOff x="0" y="0"/>
+          <a:chExt cx="0" cy="0"/>
+        </a:xfrm>
+      </p:grpSpPr>
+      <p:sp>
+        <p:nvSpPr>
+          <p:cNvPr id="2" name="Title 1">
+            <a:extLst>
+              <a:ext uri="{FF2B5EF4-FFF2-40B4-BE49-F238E27FC236}">
+                <a16:creationId xmlns:a16="http://schemas.microsoft.com/office/drawing/2014/main" id="{02785576-5776-4695-ACBA-2610518CAAC1}"/>
+              </a:ext>
+            </a:extLst>
+          </p:cNvPr>
+          <p:cNvSpPr>
+            <a:spLocks noGrp="1"/>
+          </p:cNvSpPr>
+          <p:nvPr>
+            <p:ph type="title"/>
+          </p:nvPr>
+        </p:nvSpPr>
+        <p:spPr/>
+        <p:txBody>
+          <a:bodyPr/>
+          <a:lstStyle/>
+          <a:p>
+            <a:r>
+              <a:rPr lang="da-DK" dirty="0"/>
+              <a:t>Windows </a:t>
+            </a:r>
+            <a:r>
+              <a:rPr lang="da-DK"/>
+              <a:t>RT komponent og implementering</a:t>
+            </a:r>
+            <a:endParaRPr lang="da-DK" dirty="0"/>
+          </a:p>
+        </p:txBody>
+      </p:sp>
+      <p:sp>
+        <p:nvSpPr>
+          <p:cNvPr id="3" name="Content Placeholder 2">
+            <a:extLst>
+              <a:ext uri="{FF2B5EF4-FFF2-40B4-BE49-F238E27FC236}">
+                <a16:creationId xmlns:a16="http://schemas.microsoft.com/office/drawing/2014/main" id="{83666854-B2E0-4B68-A6A7-90F29EC92DC3}"/>
+              </a:ext>
+            </a:extLst>
+          </p:cNvPr>
+          <p:cNvSpPr>
+            <a:spLocks noGrp="1"/>
+          </p:cNvSpPr>
+          <p:nvPr>
+            <p:ph idx="1"/>
+          </p:nvPr>
+        </p:nvSpPr>
+        <p:spPr/>
+        <p:txBody>
+          <a:bodyPr/>
+          <a:lstStyle/>
+          <a:p>
+            <a:endParaRPr lang="da-DK"/>
+          </a:p>
+        </p:txBody>
+      </p:sp>
+    </p:spTree>
+    <p:extLst>
+      <p:ext uri="{BB962C8B-B14F-4D97-AF65-F5344CB8AC3E}">
+        <p14:creationId xmlns:p14="http://schemas.microsoft.com/office/powerpoint/2010/main" val="897452053"/>
+      </p:ext>
+    </p:extLst>
+  </p:cSld>
+  <p:clrMapOvr>
+    <a:masterClrMapping/>
+  </p:clrMapOvr>
+</p:sld>
+</file>
+
+<file path=ppt/slides/slide9.xml><?xml version="1.0" encoding="utf-8"?>
+<p:sld xmlns:a="http://schemas.openxmlformats.org/drawingml/2006/main" xmlns:r="http://schemas.openxmlformats.org/officeDocument/2006/relationships" xmlns:p="http://schemas.openxmlformats.org/presentationml/2006/main">
+  <p:cSld>
+    <p:spTree>
+      <p:nvGrpSpPr>
+        <p:cNvPr id="1" name=""/>
+        <p:cNvGrpSpPr/>
+        <p:nvPr/>
+      </p:nvGrpSpPr>
+      <p:grpSpPr>
+        <a:xfrm>
+          <a:off x="0" y="0"/>
+          <a:ext cx="0" cy="0"/>
+          <a:chOff x="0" y="0"/>
+          <a:chExt cx="0" cy="0"/>
+        </a:xfrm>
+      </p:grpSpPr>
+      <p:sp>
+        <p:nvSpPr>
+          <p:cNvPr id="2" name="Title 1">
+            <a:extLst>
+              <a:ext uri="{FF2B5EF4-FFF2-40B4-BE49-F238E27FC236}">
+                <a16:creationId xmlns:a16="http://schemas.microsoft.com/office/drawing/2014/main" id="{10D87221-CE9C-4059-957B-B05DA25293E6}"/>
+              </a:ext>
+            </a:extLst>
+          </p:cNvPr>
+          <p:cNvSpPr>
+            <a:spLocks noGrp="1"/>
+          </p:cNvSpPr>
+          <p:nvPr>
+            <p:ph type="title"/>
+          </p:nvPr>
+        </p:nvSpPr>
+        <p:spPr/>
+        <p:txBody>
+          <a:bodyPr/>
+          <a:lstStyle/>
+          <a:p>
+            <a:r>
+              <a:rPr lang="da-DK" dirty="0"/>
+              <a:t>Demo</a:t>
+            </a:r>
+          </a:p>
+        </p:txBody>
+      </p:sp>
+      <p:sp>
+        <p:nvSpPr>
+          <p:cNvPr id="3" name="Content Placeholder 2">
+            <a:extLst>
+              <a:ext uri="{FF2B5EF4-FFF2-40B4-BE49-F238E27FC236}">
+                <a16:creationId xmlns:a16="http://schemas.microsoft.com/office/drawing/2014/main" id="{EBC87555-9D00-44EC-8454-F1134FC7D8D8}"/>
+              </a:ext>
+            </a:extLst>
+          </p:cNvPr>
+          <p:cNvSpPr>
+            <a:spLocks noGrp="1"/>
+          </p:cNvSpPr>
+          <p:nvPr>
+            <p:ph idx="1"/>
+          </p:nvPr>
+        </p:nvSpPr>
+        <p:spPr/>
+        <p:txBody>
+          <a:bodyPr/>
+          <a:lstStyle/>
+          <a:p>
+            <a:endParaRPr lang="da-DK"/>
+          </a:p>
+        </p:txBody>
+      </p:sp>
+    </p:spTree>
+    <p:extLst>
+      <p:ext uri="{BB962C8B-B14F-4D97-AF65-F5344CB8AC3E}">
+        <p14:creationId xmlns:p14="http://schemas.microsoft.com/office/powerpoint/2010/main" val="3014922306"/>
       </p:ext>
     </p:extLst>
   </p:cSld>

--- a/NEW KPU/KPU/DEM JEG KAN/MÅSKE/Spørgsmål 7CrossPlatform.pptx
+++ b/NEW KPU/KPU/DEM JEG KAN/MÅSKE/Spørgsmål 7CrossPlatform.pptx
@@ -13,7 +13,10 @@
     <p:sldId id="261" r:id="rId7"/>
     <p:sldId id="262" r:id="rId8"/>
     <p:sldId id="264" r:id="rId9"/>
-    <p:sldId id="263" r:id="rId10"/>
+    <p:sldId id="265" r:id="rId10"/>
+    <p:sldId id="266" r:id="rId11"/>
+    <p:sldId id="267" r:id="rId12"/>
+    <p:sldId id="263" r:id="rId13"/>
   </p:sldIdLst>
   <p:sldSz cx="12192000" cy="6858000"/>
   <p:notesSz cx="6858000" cy="9144000"/>
@@ -436,7 +439,7 @@
           <a:p>
             <a:fld id="{A20990A6-5A99-4E0A-9198-2314FC51BDED}" type="datetimeFigureOut">
               <a:rPr lang="LID4096" smtClean="0"/>
-              <a:t>08/15/2020</a:t>
+              <a:t>08/16/2020</a:t>
             </a:fld>
             <a:endParaRPr lang="LID4096"/>
           </a:p>
@@ -636,7 +639,7 @@
           <a:p>
             <a:fld id="{A20990A6-5A99-4E0A-9198-2314FC51BDED}" type="datetimeFigureOut">
               <a:rPr lang="LID4096" smtClean="0"/>
-              <a:t>08/15/2020</a:t>
+              <a:t>08/16/2020</a:t>
             </a:fld>
             <a:endParaRPr lang="LID4096"/>
           </a:p>
@@ -846,7 +849,7 @@
           <a:p>
             <a:fld id="{A20990A6-5A99-4E0A-9198-2314FC51BDED}" type="datetimeFigureOut">
               <a:rPr lang="LID4096" smtClean="0"/>
-              <a:t>08/15/2020</a:t>
+              <a:t>08/16/2020</a:t>
             </a:fld>
             <a:endParaRPr lang="LID4096"/>
           </a:p>
@@ -1046,7 +1049,7 @@
           <a:p>
             <a:fld id="{A20990A6-5A99-4E0A-9198-2314FC51BDED}" type="datetimeFigureOut">
               <a:rPr lang="LID4096" smtClean="0"/>
-              <a:t>08/15/2020</a:t>
+              <a:t>08/16/2020</a:t>
             </a:fld>
             <a:endParaRPr lang="LID4096"/>
           </a:p>
@@ -1322,7 +1325,7 @@
           <a:p>
             <a:fld id="{A20990A6-5A99-4E0A-9198-2314FC51BDED}" type="datetimeFigureOut">
               <a:rPr lang="LID4096" smtClean="0"/>
-              <a:t>08/15/2020</a:t>
+              <a:t>08/16/2020</a:t>
             </a:fld>
             <a:endParaRPr lang="LID4096"/>
           </a:p>
@@ -1590,7 +1593,7 @@
           <a:p>
             <a:fld id="{A20990A6-5A99-4E0A-9198-2314FC51BDED}" type="datetimeFigureOut">
               <a:rPr lang="LID4096" smtClean="0"/>
-              <a:t>08/15/2020</a:t>
+              <a:t>08/16/2020</a:t>
             </a:fld>
             <a:endParaRPr lang="LID4096"/>
           </a:p>
@@ -2005,7 +2008,7 @@
           <a:p>
             <a:fld id="{A20990A6-5A99-4E0A-9198-2314FC51BDED}" type="datetimeFigureOut">
               <a:rPr lang="LID4096" smtClean="0"/>
-              <a:t>08/15/2020</a:t>
+              <a:t>08/16/2020</a:t>
             </a:fld>
             <a:endParaRPr lang="LID4096"/>
           </a:p>
@@ -2147,7 +2150,7 @@
           <a:p>
             <a:fld id="{A20990A6-5A99-4E0A-9198-2314FC51BDED}" type="datetimeFigureOut">
               <a:rPr lang="LID4096" smtClean="0"/>
-              <a:t>08/15/2020</a:t>
+              <a:t>08/16/2020</a:t>
             </a:fld>
             <a:endParaRPr lang="LID4096"/>
           </a:p>
@@ -2260,7 +2263,7 @@
           <a:p>
             <a:fld id="{A20990A6-5A99-4E0A-9198-2314FC51BDED}" type="datetimeFigureOut">
               <a:rPr lang="LID4096" smtClean="0"/>
-              <a:t>08/15/2020</a:t>
+              <a:t>08/16/2020</a:t>
             </a:fld>
             <a:endParaRPr lang="LID4096"/>
           </a:p>
@@ -2573,7 +2576,7 @@
           <a:p>
             <a:fld id="{A20990A6-5A99-4E0A-9198-2314FC51BDED}" type="datetimeFigureOut">
               <a:rPr lang="LID4096" smtClean="0"/>
-              <a:t>08/15/2020</a:t>
+              <a:t>08/16/2020</a:t>
             </a:fld>
             <a:endParaRPr lang="LID4096"/>
           </a:p>
@@ -2862,7 +2865,7 @@
           <a:p>
             <a:fld id="{A20990A6-5A99-4E0A-9198-2314FC51BDED}" type="datetimeFigureOut">
               <a:rPr lang="LID4096" smtClean="0"/>
-              <a:t>08/15/2020</a:t>
+              <a:t>08/16/2020</a:t>
             </a:fld>
             <a:endParaRPr lang="LID4096"/>
           </a:p>
@@ -3105,7 +3108,7 @@
           <a:p>
             <a:fld id="{A20990A6-5A99-4E0A-9198-2314FC51BDED}" type="datetimeFigureOut">
               <a:rPr lang="LID4096" smtClean="0"/>
-              <a:t>08/15/2020</a:t>
+              <a:t>08/16/2020</a:t>
             </a:fld>
             <a:endParaRPr lang="LID4096"/>
           </a:p>
@@ -3709,6 +3712,319 @@
 </p:sld>
 </file>
 
+<file path=ppt/slides/slide10.xml><?xml version="1.0" encoding="utf-8"?>
+<p:sld xmlns:a="http://schemas.openxmlformats.org/drawingml/2006/main" xmlns:r="http://schemas.openxmlformats.org/officeDocument/2006/relationships" xmlns:p="http://schemas.openxmlformats.org/presentationml/2006/main">
+  <p:cSld>
+    <p:spTree>
+      <p:nvGrpSpPr>
+        <p:cNvPr id="1" name=""/>
+        <p:cNvGrpSpPr/>
+        <p:nvPr/>
+      </p:nvGrpSpPr>
+      <p:grpSpPr>
+        <a:xfrm>
+          <a:off x="0" y="0"/>
+          <a:ext cx="0" cy="0"/>
+          <a:chOff x="0" y="0"/>
+          <a:chExt cx="0" cy="0"/>
+        </a:xfrm>
+      </p:grpSpPr>
+      <p:sp>
+        <p:nvSpPr>
+          <p:cNvPr id="2" name="Title 1">
+            <a:extLst>
+              <a:ext uri="{FF2B5EF4-FFF2-40B4-BE49-F238E27FC236}">
+                <a16:creationId xmlns:a16="http://schemas.microsoft.com/office/drawing/2014/main" id="{B3E8D28A-FCCB-4F11-984E-99FE9A7FB198}"/>
+              </a:ext>
+            </a:extLst>
+          </p:cNvPr>
+          <p:cNvSpPr>
+            <a:spLocks noGrp="1"/>
+          </p:cNvSpPr>
+          <p:nvPr>
+            <p:ph type="title"/>
+          </p:nvPr>
+        </p:nvSpPr>
+        <p:spPr/>
+        <p:txBody>
+          <a:bodyPr/>
+          <a:lstStyle/>
+          <a:p>
+            <a:endParaRPr lang="da-DK" dirty="0"/>
+          </a:p>
+        </p:txBody>
+      </p:sp>
+      <p:sp>
+        <p:nvSpPr>
+          <p:cNvPr id="3" name="Content Placeholder 2">
+            <a:extLst>
+              <a:ext uri="{FF2B5EF4-FFF2-40B4-BE49-F238E27FC236}">
+                <a16:creationId xmlns:a16="http://schemas.microsoft.com/office/drawing/2014/main" id="{6BA643AA-F23B-4809-AD49-E856E50087D4}"/>
+              </a:ext>
+            </a:extLst>
+          </p:cNvPr>
+          <p:cNvSpPr>
+            <a:spLocks noGrp="1"/>
+          </p:cNvSpPr>
+          <p:nvPr>
+            <p:ph idx="1"/>
+          </p:nvPr>
+        </p:nvSpPr>
+        <p:spPr>
+          <a:xfrm>
+            <a:off x="838200" y="1825625"/>
+            <a:ext cx="3161145" cy="4351338"/>
+          </a:xfrm>
+        </p:spPr>
+        <p:txBody>
+          <a:bodyPr/>
+          <a:lstStyle/>
+          <a:p>
+            <a:endParaRPr lang="da-DK" dirty="0"/>
+          </a:p>
+        </p:txBody>
+      </p:sp>
+      <p:pic>
+        <p:nvPicPr>
+          <p:cNvPr id="6" name="Picture 5">
+            <a:extLst>
+              <a:ext uri="{FF2B5EF4-FFF2-40B4-BE49-F238E27FC236}">
+                <a16:creationId xmlns:a16="http://schemas.microsoft.com/office/drawing/2014/main" id="{984608B0-A20F-436E-AE03-C824C6A9B2D6}"/>
+              </a:ext>
+            </a:extLst>
+          </p:cNvPr>
+          <p:cNvPicPr>
+            <a:picLocks noChangeAspect="1"/>
+          </p:cNvPicPr>
+          <p:nvPr/>
+        </p:nvPicPr>
+        <p:blipFill>
+          <a:blip r:embed="rId2"/>
+          <a:stretch>
+            <a:fillRect/>
+          </a:stretch>
+        </p:blipFill>
+        <p:spPr>
+          <a:xfrm>
+            <a:off x="4591084" y="2385867"/>
+            <a:ext cx="5725324" cy="2086266"/>
+          </a:xfrm>
+          <a:prstGeom prst="rect">
+            <a:avLst/>
+          </a:prstGeom>
+        </p:spPr>
+      </p:pic>
+    </p:spTree>
+    <p:extLst>
+      <p:ext uri="{BB962C8B-B14F-4D97-AF65-F5344CB8AC3E}">
+        <p14:creationId xmlns:p14="http://schemas.microsoft.com/office/powerpoint/2010/main" val="3274241995"/>
+      </p:ext>
+    </p:extLst>
+  </p:cSld>
+  <p:clrMapOvr>
+    <a:masterClrMapping/>
+  </p:clrMapOvr>
+</p:sld>
+</file>
+
+<file path=ppt/slides/slide11.xml><?xml version="1.0" encoding="utf-8"?>
+<p:sld xmlns:a="http://schemas.openxmlformats.org/drawingml/2006/main" xmlns:r="http://schemas.openxmlformats.org/officeDocument/2006/relationships" xmlns:p="http://schemas.openxmlformats.org/presentationml/2006/main">
+  <p:cSld>
+    <p:spTree>
+      <p:nvGrpSpPr>
+        <p:cNvPr id="1" name=""/>
+        <p:cNvGrpSpPr/>
+        <p:nvPr/>
+      </p:nvGrpSpPr>
+      <p:grpSpPr>
+        <a:xfrm>
+          <a:off x="0" y="0"/>
+          <a:ext cx="0" cy="0"/>
+          <a:chOff x="0" y="0"/>
+          <a:chExt cx="0" cy="0"/>
+        </a:xfrm>
+      </p:grpSpPr>
+      <p:sp>
+        <p:nvSpPr>
+          <p:cNvPr id="2" name="Title 1">
+            <a:extLst>
+              <a:ext uri="{FF2B5EF4-FFF2-40B4-BE49-F238E27FC236}">
+                <a16:creationId xmlns:a16="http://schemas.microsoft.com/office/drawing/2014/main" id="{7AFCFBB1-1391-4FB8-AAFD-B732B63D93BC}"/>
+              </a:ext>
+            </a:extLst>
+          </p:cNvPr>
+          <p:cNvSpPr>
+            <a:spLocks noGrp="1"/>
+          </p:cNvSpPr>
+          <p:nvPr>
+            <p:ph type="title"/>
+          </p:nvPr>
+        </p:nvSpPr>
+        <p:spPr/>
+        <p:txBody>
+          <a:bodyPr/>
+          <a:lstStyle/>
+          <a:p>
+            <a:endParaRPr lang="da-DK"/>
+          </a:p>
+        </p:txBody>
+      </p:sp>
+      <p:sp>
+        <p:nvSpPr>
+          <p:cNvPr id="3" name="Content Placeholder 2">
+            <a:extLst>
+              <a:ext uri="{FF2B5EF4-FFF2-40B4-BE49-F238E27FC236}">
+                <a16:creationId xmlns:a16="http://schemas.microsoft.com/office/drawing/2014/main" id="{A97E25A8-DC03-43AF-B796-995088534A48}"/>
+              </a:ext>
+            </a:extLst>
+          </p:cNvPr>
+          <p:cNvSpPr>
+            <a:spLocks noGrp="1"/>
+          </p:cNvSpPr>
+          <p:nvPr>
+            <p:ph idx="1"/>
+          </p:nvPr>
+        </p:nvSpPr>
+        <p:spPr>
+          <a:xfrm>
+            <a:off x="838200" y="1825625"/>
+            <a:ext cx="3816927" cy="4351338"/>
+          </a:xfrm>
+        </p:spPr>
+        <p:txBody>
+          <a:bodyPr/>
+          <a:lstStyle/>
+          <a:p>
+            <a:endParaRPr lang="da-DK" dirty="0"/>
+          </a:p>
+        </p:txBody>
+      </p:sp>
+      <p:pic>
+        <p:nvPicPr>
+          <p:cNvPr id="4" name="Picture 3">
+            <a:extLst>
+              <a:ext uri="{FF2B5EF4-FFF2-40B4-BE49-F238E27FC236}">
+                <a16:creationId xmlns:a16="http://schemas.microsoft.com/office/drawing/2014/main" id="{ADB0D0D6-EDFF-4D81-B8AF-D7C0D19C90A6}"/>
+              </a:ext>
+            </a:extLst>
+          </p:cNvPr>
+          <p:cNvPicPr>
+            <a:picLocks noChangeAspect="1"/>
+          </p:cNvPicPr>
+          <p:nvPr/>
+        </p:nvPicPr>
+        <p:blipFill>
+          <a:blip r:embed="rId2"/>
+          <a:stretch>
+            <a:fillRect/>
+          </a:stretch>
+        </p:blipFill>
+        <p:spPr>
+          <a:xfrm>
+            <a:off x="4996873" y="2141537"/>
+            <a:ext cx="6559384" cy="4351338"/>
+          </a:xfrm>
+          <a:prstGeom prst="rect">
+            <a:avLst/>
+          </a:prstGeom>
+        </p:spPr>
+      </p:pic>
+    </p:spTree>
+    <p:extLst>
+      <p:ext uri="{BB962C8B-B14F-4D97-AF65-F5344CB8AC3E}">
+        <p14:creationId xmlns:p14="http://schemas.microsoft.com/office/powerpoint/2010/main" val="3306643403"/>
+      </p:ext>
+    </p:extLst>
+  </p:cSld>
+  <p:clrMapOvr>
+    <a:masterClrMapping/>
+  </p:clrMapOvr>
+</p:sld>
+</file>
+
+<file path=ppt/slides/slide12.xml><?xml version="1.0" encoding="utf-8"?>
+<p:sld xmlns:a="http://schemas.openxmlformats.org/drawingml/2006/main" xmlns:r="http://schemas.openxmlformats.org/officeDocument/2006/relationships" xmlns:p="http://schemas.openxmlformats.org/presentationml/2006/main">
+  <p:cSld>
+    <p:spTree>
+      <p:nvGrpSpPr>
+        <p:cNvPr id="1" name=""/>
+        <p:cNvGrpSpPr/>
+        <p:nvPr/>
+      </p:nvGrpSpPr>
+      <p:grpSpPr>
+        <a:xfrm>
+          <a:off x="0" y="0"/>
+          <a:ext cx="0" cy="0"/>
+          <a:chOff x="0" y="0"/>
+          <a:chExt cx="0" cy="0"/>
+        </a:xfrm>
+      </p:grpSpPr>
+      <p:sp>
+        <p:nvSpPr>
+          <p:cNvPr id="2" name="Title 1">
+            <a:extLst>
+              <a:ext uri="{FF2B5EF4-FFF2-40B4-BE49-F238E27FC236}">
+                <a16:creationId xmlns:a16="http://schemas.microsoft.com/office/drawing/2014/main" id="{10D87221-CE9C-4059-957B-B05DA25293E6}"/>
+              </a:ext>
+            </a:extLst>
+          </p:cNvPr>
+          <p:cNvSpPr>
+            <a:spLocks noGrp="1"/>
+          </p:cNvSpPr>
+          <p:nvPr>
+            <p:ph type="title"/>
+          </p:nvPr>
+        </p:nvSpPr>
+        <p:spPr/>
+        <p:txBody>
+          <a:bodyPr/>
+          <a:lstStyle/>
+          <a:p>
+            <a:r>
+              <a:rPr lang="da-DK" dirty="0"/>
+              <a:t>Demo</a:t>
+            </a:r>
+          </a:p>
+        </p:txBody>
+      </p:sp>
+      <p:sp>
+        <p:nvSpPr>
+          <p:cNvPr id="3" name="Content Placeholder 2">
+            <a:extLst>
+              <a:ext uri="{FF2B5EF4-FFF2-40B4-BE49-F238E27FC236}">
+                <a16:creationId xmlns:a16="http://schemas.microsoft.com/office/drawing/2014/main" id="{EBC87555-9D00-44EC-8454-F1134FC7D8D8}"/>
+              </a:ext>
+            </a:extLst>
+          </p:cNvPr>
+          <p:cNvSpPr>
+            <a:spLocks noGrp="1"/>
+          </p:cNvSpPr>
+          <p:nvPr>
+            <p:ph idx="1"/>
+          </p:nvPr>
+        </p:nvSpPr>
+        <p:spPr/>
+        <p:txBody>
+          <a:bodyPr/>
+          <a:lstStyle/>
+          <a:p>
+            <a:endParaRPr lang="da-DK"/>
+          </a:p>
+        </p:txBody>
+      </p:sp>
+    </p:spTree>
+    <p:extLst>
+      <p:ext uri="{BB962C8B-B14F-4D97-AF65-F5344CB8AC3E}">
+        <p14:creationId xmlns:p14="http://schemas.microsoft.com/office/powerpoint/2010/main" val="3014922306"/>
+      </p:ext>
+    </p:extLst>
+  </p:cSld>
+  <p:clrMapOvr>
+    <a:masterClrMapping/>
+  </p:clrMapOvr>
+</p:sld>
+</file>
+
 <file path=ppt/slides/slide2.xml><?xml version="1.0" encoding="utf-8"?>
 <p:sld xmlns:a="http://schemas.openxmlformats.org/drawingml/2006/main" xmlns:r="http://schemas.openxmlformats.org/officeDocument/2006/relationships" xmlns:p="http://schemas.openxmlformats.org/presentationml/2006/main">
   <p:cSld>
@@ -4579,38 +4895,107 @@
           <a:p>
             <a:r>
               <a:rPr lang="da-DK" dirty="0"/>
-              <a:t>Windows </a:t>
-            </a:r>
-            <a:r>
-              <a:rPr lang="da-DK"/>
-              <a:t>RT komponent og implementering</a:t>
-            </a:r>
+              <a:t>Windows RT komponent</a:t>
+            </a:r>
+          </a:p>
+        </p:txBody>
+      </p:sp>
+      <p:sp>
+        <p:nvSpPr>
+          <p:cNvPr id="3" name="Content Placeholder 2">
+            <a:extLst>
+              <a:ext uri="{FF2B5EF4-FFF2-40B4-BE49-F238E27FC236}">
+                <a16:creationId xmlns:a16="http://schemas.microsoft.com/office/drawing/2014/main" id="{83666854-B2E0-4B68-A6A7-90F29EC92DC3}"/>
+              </a:ext>
+            </a:extLst>
+          </p:cNvPr>
+          <p:cNvSpPr>
+            <a:spLocks noGrp="1"/>
+          </p:cNvSpPr>
+          <p:nvPr>
+            <p:ph idx="1"/>
+          </p:nvPr>
+        </p:nvSpPr>
+        <p:spPr/>
+        <p:txBody>
+          <a:bodyPr>
+            <a:normAutofit fontScale="55000" lnSpcReduction="20000"/>
+          </a:bodyPr>
+          <a:lstStyle/>
+          <a:p>
+            <a:r>
+              <a:rPr lang="da-DK" dirty="0"/>
+              <a:t>Windows RT står for Windows Runtime </a:t>
+            </a:r>
+          </a:p>
+          <a:p>
+            <a:r>
+              <a:rPr lang="da-DK" dirty="0"/>
+              <a:t>Et RT komponent er et komponent der kan køre med ALLE Windows Runtime Language</a:t>
+            </a:r>
+          </a:p>
+          <a:p>
+            <a:r>
+              <a:rPr lang="da-DK" dirty="0"/>
+              <a:t>Det betyder at du kan skrive komponentet i C++ og bruge det i Visual Basic</a:t>
+            </a:r>
+          </a:p>
+          <a:p>
+            <a:r>
+              <a:rPr lang="da-DK" dirty="0"/>
+              <a:t>Det bruges i UWP og windows store apps</a:t>
+            </a:r>
+          </a:p>
+          <a:p>
+            <a:r>
+              <a:rPr lang="da-DK" dirty="0"/>
+              <a:t>Hovedesagelige idé med windows RT var at det kunne køre i en sandbox, som skulle hjælpe med at holde brugeren sikker. </a:t>
+            </a:r>
+          </a:p>
+          <a:p>
+            <a:r>
+              <a:rPr lang="da-DK" dirty="0"/>
+              <a:t>Grunden til dette er fordi Microsoft havde en idé om at de gerne vil ind på mobil markedet, men windows i sig selv er ikke så stabilt.</a:t>
+            </a:r>
+          </a:p>
+          <a:p>
+            <a:r>
+              <a:rPr lang="da-DK" dirty="0"/>
+              <a:t>Exposer kun safe API’s </a:t>
+            </a:r>
+          </a:p>
+          <a:p>
+            <a:r>
+              <a:rPr lang="da-DK" dirty="0"/>
+              <a:t>Windows RT er et .NET-core subset for windows store apps</a:t>
+            </a:r>
+          </a:p>
+          <a:p>
+            <a:r>
+              <a:rPr lang="da-DK" dirty="0"/>
+              <a:t>For at beskytte så meget som muligt, er det ikke muligt at lave operationer nede på kernel space på nær hvis der laves en driver</a:t>
+            </a:r>
+          </a:p>
+          <a:p>
+            <a:r>
+              <a:rPr lang="da-DK" dirty="0"/>
+              <a:t>Af denne grund er det kun en håndfuld veldefineret drivere der må bruges.(Webcam, Mic, networkAdapter)</a:t>
+            </a:r>
+          </a:p>
+          <a:p>
+            <a:r>
+              <a:rPr lang="da-DK" dirty="0"/>
+              <a:t>Generelt fokusere Windows RT på den hardware nære egenskaber. Ting abstraheres væk fra hardware.</a:t>
+            </a:r>
+          </a:p>
+          <a:p>
+            <a:r>
+              <a:rPr lang="da-DK" dirty="0"/>
+              <a:t>.winmd er extension til Windows RT componenter</a:t>
+            </a:r>
+          </a:p>
+          <a:p>
             <a:endParaRPr lang="da-DK" dirty="0"/>
-          </a:p>
-        </p:txBody>
-      </p:sp>
-      <p:sp>
-        <p:nvSpPr>
-          <p:cNvPr id="3" name="Content Placeholder 2">
-            <a:extLst>
-              <a:ext uri="{FF2B5EF4-FFF2-40B4-BE49-F238E27FC236}">
-                <a16:creationId xmlns:a16="http://schemas.microsoft.com/office/drawing/2014/main" id="{83666854-B2E0-4B68-A6A7-90F29EC92DC3}"/>
-              </a:ext>
-            </a:extLst>
-          </p:cNvPr>
-          <p:cNvSpPr>
-            <a:spLocks noGrp="1"/>
-          </p:cNvSpPr>
-          <p:nvPr>
-            <p:ph idx="1"/>
-          </p:nvPr>
-        </p:nvSpPr>
-        <p:spPr/>
-        <p:txBody>
-          <a:bodyPr/>
-          <a:lstStyle/>
-          <a:p>
-            <a:endParaRPr lang="da-DK"/>
           </a:p>
         </p:txBody>
       </p:sp>
@@ -4649,7 +5034,7 @@
           <p:cNvPr id="2" name="Title 1">
             <a:extLst>
               <a:ext uri="{FF2B5EF4-FFF2-40B4-BE49-F238E27FC236}">
-                <a16:creationId xmlns:a16="http://schemas.microsoft.com/office/drawing/2014/main" id="{10D87221-CE9C-4059-957B-B05DA25293E6}"/>
+                <a16:creationId xmlns:a16="http://schemas.microsoft.com/office/drawing/2014/main" id="{2333ED99-8258-40F5-8DC8-27D8CCF8D8CC}"/>
               </a:ext>
             </a:extLst>
           </p:cNvPr>
@@ -4667,7 +5052,7 @@
           <a:p>
             <a:r>
               <a:rPr lang="da-DK" dirty="0"/>
-              <a:t>Demo</a:t>
+              <a:t>Windows RT Implementering</a:t>
             </a:r>
           </a:p>
         </p:txBody>
@@ -4677,7 +5062,7 @@
           <p:cNvPr id="3" name="Content Placeholder 2">
             <a:extLst>
               <a:ext uri="{FF2B5EF4-FFF2-40B4-BE49-F238E27FC236}">
-                <a16:creationId xmlns:a16="http://schemas.microsoft.com/office/drawing/2014/main" id="{EBC87555-9D00-44EC-8454-F1134FC7D8D8}"/>
+                <a16:creationId xmlns:a16="http://schemas.microsoft.com/office/drawing/2014/main" id="{FA359D3B-5BE5-4646-89A2-D0BB4B0CA354}"/>
               </a:ext>
             </a:extLst>
           </p:cNvPr>
@@ -4688,19 +5073,54 @@
             <p:ph idx="1"/>
           </p:nvPr>
         </p:nvSpPr>
-        <p:spPr/>
-        <p:txBody>
-          <a:bodyPr/>
-          <a:lstStyle/>
-          <a:p>
-            <a:endParaRPr lang="da-DK"/>
-          </a:p>
-        </p:txBody>
-      </p:sp>
+        <p:spPr>
+          <a:xfrm>
+            <a:off x="838200" y="1825625"/>
+            <a:ext cx="3708633" cy="4351338"/>
+          </a:xfrm>
+        </p:spPr>
+        <p:txBody>
+          <a:bodyPr/>
+          <a:lstStyle/>
+          <a:p>
+            <a:endParaRPr lang="da-DK" dirty="0"/>
+          </a:p>
+        </p:txBody>
+      </p:sp>
+      <p:pic>
+        <p:nvPicPr>
+          <p:cNvPr id="6" name="Picture 5">
+            <a:extLst>
+              <a:ext uri="{FF2B5EF4-FFF2-40B4-BE49-F238E27FC236}">
+                <a16:creationId xmlns:a16="http://schemas.microsoft.com/office/drawing/2014/main" id="{22ABAA31-ED68-4296-A3BB-A05E12E9F9B5}"/>
+              </a:ext>
+            </a:extLst>
+          </p:cNvPr>
+          <p:cNvPicPr>
+            <a:picLocks noChangeAspect="1"/>
+          </p:cNvPicPr>
+          <p:nvPr/>
+        </p:nvPicPr>
+        <p:blipFill>
+          <a:blip r:embed="rId2"/>
+          <a:stretch>
+            <a:fillRect/>
+          </a:stretch>
+        </p:blipFill>
+        <p:spPr>
+          <a:xfrm>
+            <a:off x="4823923" y="1406805"/>
+            <a:ext cx="6841603" cy="4770158"/>
+          </a:xfrm>
+          <a:prstGeom prst="rect">
+            <a:avLst/>
+          </a:prstGeom>
+        </p:spPr>
+      </p:pic>
     </p:spTree>
     <p:extLst>
       <p:ext uri="{BB962C8B-B14F-4D97-AF65-F5344CB8AC3E}">
-        <p14:creationId xmlns:p14="http://schemas.microsoft.com/office/powerpoint/2010/main" val="3014922306"/>
+        <p14:creationId xmlns:p14="http://schemas.microsoft.com/office/powerpoint/2010/main" val="3621512516"/>
       </p:ext>
     </p:extLst>
   </p:cSld>
